--- a/網站開發與安全/HOMEWORK/20210224.pptx
+++ b/網站開發與安全/HOMEWORK/20210224.pptx
@@ -12,14 +12,24 @@
     <p:sldId id="260" r:id="rId6"/>
     <p:sldId id="261" r:id="rId7"/>
     <p:sldId id="262" r:id="rId8"/>
-    <p:sldId id="268" r:id="rId9"/>
-    <p:sldId id="263" r:id="rId10"/>
-    <p:sldId id="264" r:id="rId11"/>
-    <p:sldId id="265" r:id="rId12"/>
-    <p:sldId id="266" r:id="rId13"/>
-    <p:sldId id="267" r:id="rId14"/>
-    <p:sldId id="269" r:id="rId15"/>
-    <p:sldId id="270" r:id="rId16"/>
+    <p:sldId id="273" r:id="rId9"/>
+    <p:sldId id="268" r:id="rId10"/>
+    <p:sldId id="263" r:id="rId11"/>
+    <p:sldId id="264" r:id="rId12"/>
+    <p:sldId id="265" r:id="rId13"/>
+    <p:sldId id="266" r:id="rId14"/>
+    <p:sldId id="267" r:id="rId15"/>
+    <p:sldId id="269" r:id="rId16"/>
+    <p:sldId id="270" r:id="rId17"/>
+    <p:sldId id="272" r:id="rId18"/>
+    <p:sldId id="271" r:id="rId19"/>
+    <p:sldId id="274" r:id="rId20"/>
+    <p:sldId id="275" r:id="rId21"/>
+    <p:sldId id="276" r:id="rId22"/>
+    <p:sldId id="277" r:id="rId23"/>
+    <p:sldId id="278" r:id="rId24"/>
+    <p:sldId id="280" r:id="rId25"/>
+    <p:sldId id="279" r:id="rId26"/>
   </p:sldIdLst>
   <p:sldSz cx="9144000" cy="6858000" type="screen4x3"/>
   <p:notesSz cx="6858000" cy="9144000"/>
@@ -118,6 +128,41 @@
       </a:defRPr>
     </a:lvl9pPr>
   </p:defaultTextStyle>
+  <p:extLst>
+    <p:ext uri="{521415D9-36F7-43E2-AB2F-B90AF26B5E84}">
+      <p14:sectionLst xmlns:p14="http://schemas.microsoft.com/office/powerpoint/2010/main">
+        <p14:section name="預設章節" id="{F565543F-56F1-4659-890C-0E0F83B8C59B}">
+          <p14:sldIdLst>
+            <p14:sldId id="256"/>
+            <p14:sldId id="257"/>
+            <p14:sldId id="258"/>
+            <p14:sldId id="259"/>
+            <p14:sldId id="260"/>
+            <p14:sldId id="261"/>
+            <p14:sldId id="262"/>
+            <p14:sldId id="273"/>
+            <p14:sldId id="268"/>
+            <p14:sldId id="263"/>
+            <p14:sldId id="264"/>
+            <p14:sldId id="265"/>
+            <p14:sldId id="266"/>
+            <p14:sldId id="267"/>
+            <p14:sldId id="269"/>
+            <p14:sldId id="270"/>
+            <p14:sldId id="272"/>
+            <p14:sldId id="271"/>
+            <p14:sldId id="274"/>
+            <p14:sldId id="275"/>
+            <p14:sldId id="276"/>
+            <p14:sldId id="277"/>
+            <p14:sldId id="278"/>
+            <p14:sldId id="280"/>
+            <p14:sldId id="279"/>
+          </p14:sldIdLst>
+        </p14:section>
+      </p14:sectionLst>
+    </p:ext>
+  </p:extLst>
 </p:presentation>
 </file>
 
@@ -3119,31 +3164,35 @@
             <p:ph type="ctrTitle"/>
           </p:nvPr>
         </p:nvSpPr>
-        <p:spPr/>
-        <p:txBody>
-          <a:bodyPr/>
-          <a:lstStyle/>
-          <a:p>
-            <a:endParaRPr lang="zh-TW" altLang="en-US" dirty="0"/>
-          </a:p>
-        </p:txBody>
-      </p:sp>
-      <p:sp>
-        <p:nvSpPr>
-          <p:cNvPr id="3" name="副標題 2"/>
-          <p:cNvSpPr>
-            <a:spLocks noGrp="1"/>
-          </p:cNvSpPr>
-          <p:nvPr>
-            <p:ph type="subTitle" idx="1"/>
-          </p:nvPr>
-        </p:nvSpPr>
-        <p:spPr/>
-        <p:txBody>
-          <a:bodyPr/>
-          <a:lstStyle/>
-          <a:p>
-            <a:endParaRPr lang="zh-TW" altLang="en-US"/>
+        <p:spPr>
+          <a:xfrm>
+            <a:off x="899592" y="404665"/>
+            <a:ext cx="7056784" cy="504056"/>
+          </a:xfrm>
+        </p:spPr>
+        <p:txBody>
+          <a:bodyPr>
+            <a:normAutofit fontScale="90000"/>
+          </a:bodyPr>
+          <a:lstStyle/>
+          <a:p>
+            <a:r>
+              <a:rPr lang="en-US" altLang="zh-TW" b="1" dirty="0" smtClean="0"/>
+              <a:t>XAMPP </a:t>
+            </a:r>
+            <a:r>
+              <a:rPr lang="zh-TW" altLang="en-US" b="1" dirty="0" smtClean="0"/>
+              <a:t>安裝</a:t>
+            </a:r>
+            <a:r>
+              <a:rPr lang="en-US" altLang="zh-TW" b="1" dirty="0" smtClean="0"/>
+              <a:t>&amp;</a:t>
+            </a:r>
+            <a:r>
+              <a:rPr lang="zh-TW" altLang="en-US" b="1" dirty="0" smtClean="0"/>
+              <a:t>啟動</a:t>
+            </a:r>
+            <a:endParaRPr lang="zh-TW" altLang="en-US" b="1" dirty="0"/>
           </a:p>
         </p:txBody>
       </p:sp>
@@ -3170,8 +3219,8 @@
         </p:blipFill>
         <p:spPr bwMode="auto">
           <a:xfrm>
-            <a:off x="539552" y="332656"/>
-            <a:ext cx="4848225" cy="4038600"/>
+            <a:off x="1763688" y="1916831"/>
+            <a:ext cx="4968552" cy="4138833"/>
           </a:xfrm>
           <a:prstGeom prst="rect">
             <a:avLst/>
@@ -3211,6 +3260,13 @@
   <p:clrMapOvr>
     <a:masterClrMapping/>
   </p:clrMapOvr>
+  <p:timing>
+    <p:tnLst>
+      <p:par>
+        <p:cTn id="1" dur="indefinite" restart="never" nodeType="tmRoot"/>
+      </p:par>
+    </p:tnLst>
+  </p:timing>
 </p:sld>
 </file>
 
@@ -3246,13 +3302,19 @@
           <a:bodyPr/>
           <a:lstStyle/>
           <a:p>
-            <a:endParaRPr lang="zh-TW" altLang="en-US"/>
+            <a:r>
+              <a:rPr lang="en-US" altLang="zh-TW" dirty="0" smtClean="0">
+                <a:hlinkClick r:id="rId2"/>
+              </a:rPr>
+              <a:t>http://localhost/4090E005/</a:t>
+            </a:r>
+            <a:endParaRPr lang="zh-TW" altLang="en-US" dirty="0"/>
           </a:p>
         </p:txBody>
       </p:sp>
       <p:pic>
         <p:nvPicPr>
-          <p:cNvPr id="9218" name="Picture 2"/>
+          <p:cNvPr id="7170" name="Picture 2"/>
           <p:cNvPicPr>
             <a:picLocks noGrp="1" noChangeAspect="1" noChangeArrowheads="1"/>
           </p:cNvPicPr>
@@ -3261,7 +3323,7 @@
           </p:nvPr>
         </p:nvPicPr>
         <p:blipFill>
-          <a:blip r:embed="rId2">
+          <a:blip r:embed="rId3">
             <a:extLst>
               <a:ext uri="{28A0092B-C50C-407E-A947-70E740481C1C}">
                 <a14:useLocalDpi xmlns:a14="http://schemas.microsoft.com/office/drawing/2010/main" val="0"/>
@@ -3275,8 +3337,8 @@
         </p:blipFill>
         <p:spPr bwMode="auto">
           <a:xfrm>
-            <a:off x="1507854" y="1600200"/>
-            <a:ext cx="6128291" cy="4525963"/>
+            <a:off x="755576" y="1628800"/>
+            <a:ext cx="7867889" cy="4525963"/>
           </a:xfrm>
           <a:prstGeom prst="rect">
             <a:avLst/>
@@ -3309,7 +3371,7 @@
     </p:spTree>
     <p:extLst>
       <p:ext uri="{BB962C8B-B14F-4D97-AF65-F5344CB8AC3E}">
-        <p14:creationId xmlns:p14="http://schemas.microsoft.com/office/powerpoint/2010/main" val="1430892193"/>
+        <p14:creationId xmlns:p14="http://schemas.microsoft.com/office/powerpoint/2010/main" val="3480962499"/>
       </p:ext>
     </p:extLst>
   </p:cSld>
@@ -3351,13 +3413,19 @@
           <a:bodyPr/>
           <a:lstStyle/>
           <a:p>
-            <a:endParaRPr lang="zh-TW" altLang="en-US"/>
+            <a:r>
+              <a:rPr lang="en-US" altLang="zh-TW" dirty="0">
+                <a:hlinkClick r:id="rId2"/>
+              </a:rPr>
+              <a:t>HTML_1.html</a:t>
+            </a:r>
+            <a:endParaRPr lang="zh-TW" altLang="en-US" dirty="0"/>
           </a:p>
         </p:txBody>
       </p:sp>
       <p:pic>
         <p:nvPicPr>
-          <p:cNvPr id="10242" name="Picture 2"/>
+          <p:cNvPr id="9218" name="Picture 2"/>
           <p:cNvPicPr>
             <a:picLocks noGrp="1" noChangeAspect="1" noChangeArrowheads="1"/>
           </p:cNvPicPr>
@@ -3366,7 +3434,7 @@
           </p:nvPr>
         </p:nvPicPr>
         <p:blipFill>
-          <a:blip r:embed="rId2">
+          <a:blip r:embed="rId3">
             <a:extLst>
               <a:ext uri="{28A0092B-C50C-407E-A947-70E740481C1C}">
                 <a14:useLocalDpi xmlns:a14="http://schemas.microsoft.com/office/drawing/2010/main" val="0"/>
@@ -3380,7 +3448,125 @@
         </p:blipFill>
         <p:spPr bwMode="auto">
           <a:xfrm>
-            <a:off x="731089" y="1600200"/>
+            <a:off x="1619672" y="1628800"/>
+            <a:ext cx="6128291" cy="4525963"/>
+          </a:xfrm>
+          <a:prstGeom prst="rect">
+            <a:avLst/>
+          </a:prstGeom>
+          <a:noFill/>
+          <a:ln>
+            <a:noFill/>
+          </a:ln>
+          <a:extLst>
+            <a:ext uri="{909E8E84-426E-40DD-AFC4-6F175D3DCCD1}">
+              <a14:hiddenFill xmlns:a14="http://schemas.microsoft.com/office/drawing/2010/main">
+                <a:solidFill>
+                  <a:schemeClr val="accent1"/>
+                </a:solidFill>
+              </a14:hiddenFill>
+            </a:ext>
+            <a:ext uri="{91240B29-F687-4F45-9708-019B960494DF}">
+              <a14:hiddenLine xmlns:a14="http://schemas.microsoft.com/office/drawing/2010/main" w="9525">
+                <a:solidFill>
+                  <a:schemeClr val="tx1"/>
+                </a:solidFill>
+                <a:miter lim="800000"/>
+                <a:headEnd/>
+                <a:tailEnd/>
+              </a14:hiddenLine>
+            </a:ext>
+          </a:extLst>
+        </p:spPr>
+      </p:pic>
+    </p:spTree>
+    <p:extLst>
+      <p:ext uri="{BB962C8B-B14F-4D97-AF65-F5344CB8AC3E}">
+        <p14:creationId xmlns:p14="http://schemas.microsoft.com/office/powerpoint/2010/main" val="1430892193"/>
+      </p:ext>
+    </p:extLst>
+  </p:cSld>
+  <p:clrMapOvr>
+    <a:masterClrMapping/>
+  </p:clrMapOvr>
+</p:sld>
+</file>
+
+<file path=ppt/slides/slide12.xml><?xml version="1.0" encoding="utf-8"?>
+<p:sld xmlns:a="http://schemas.openxmlformats.org/drawingml/2006/main" xmlns:r="http://schemas.openxmlformats.org/officeDocument/2006/relationships" xmlns:p="http://schemas.openxmlformats.org/presentationml/2006/main">
+  <p:cSld>
+    <p:spTree>
+      <p:nvGrpSpPr>
+        <p:cNvPr id="1" name=""/>
+        <p:cNvGrpSpPr/>
+        <p:nvPr/>
+      </p:nvGrpSpPr>
+      <p:grpSpPr>
+        <a:xfrm>
+          <a:off x="0" y="0"/>
+          <a:ext cx="0" cy="0"/>
+          <a:chOff x="0" y="0"/>
+          <a:chExt cx="0" cy="0"/>
+        </a:xfrm>
+      </p:grpSpPr>
+      <p:sp>
+        <p:nvSpPr>
+          <p:cNvPr id="2" name="標題 1"/>
+          <p:cNvSpPr>
+            <a:spLocks noGrp="1"/>
+          </p:cNvSpPr>
+          <p:nvPr>
+            <p:ph type="title"/>
+          </p:nvPr>
+        </p:nvSpPr>
+        <p:spPr>
+          <a:xfrm>
+            <a:off x="457200" y="274638"/>
+            <a:ext cx="8075240" cy="922114"/>
+          </a:xfrm>
+        </p:spPr>
+        <p:txBody>
+          <a:bodyPr>
+            <a:normAutofit/>
+          </a:bodyPr>
+          <a:lstStyle/>
+          <a:p>
+            <a:r>
+              <a:rPr lang="en-US" altLang="zh-TW" sz="3600" dirty="0" smtClean="0">
+                <a:hlinkClick r:id="rId2"/>
+              </a:rPr>
+              <a:t>http://localhost/4090E005/HTML_1.html</a:t>
+            </a:r>
+            <a:endParaRPr lang="zh-TW" altLang="en-US" sz="3600" dirty="0"/>
+          </a:p>
+        </p:txBody>
+      </p:sp>
+      <p:pic>
+        <p:nvPicPr>
+          <p:cNvPr id="10242" name="Picture 2"/>
+          <p:cNvPicPr>
+            <a:picLocks noGrp="1" noChangeAspect="1" noChangeArrowheads="1"/>
+          </p:cNvPicPr>
+          <p:nvPr>
+            <p:ph idx="1"/>
+          </p:nvPr>
+        </p:nvPicPr>
+        <p:blipFill>
+          <a:blip r:embed="rId3">
+            <a:extLst>
+              <a:ext uri="{28A0092B-C50C-407E-A947-70E740481C1C}">
+                <a14:useLocalDpi xmlns:a14="http://schemas.microsoft.com/office/drawing/2010/main" val="0"/>
+              </a:ext>
+            </a:extLst>
+          </a:blip>
+          <a:srcRect/>
+          <a:stretch>
+            <a:fillRect/>
+          </a:stretch>
+        </p:blipFill>
+        <p:spPr bwMode="auto">
+          <a:xfrm>
+            <a:off x="755576" y="1556792"/>
             <a:ext cx="7681821" cy="4525963"/>
           </a:xfrm>
           <a:prstGeom prst="rect">
@@ -3424,7 +3610,7 @@
 </p:sld>
 </file>
 
-<file path=ppt/slides/slide12.xml><?xml version="1.0" encoding="utf-8"?>
+<file path=ppt/slides/slide13.xml><?xml version="1.0" encoding="utf-8"?>
 <p:sld xmlns:a="http://schemas.openxmlformats.org/drawingml/2006/main" xmlns:r="http://schemas.openxmlformats.org/officeDocument/2006/relationships" xmlns:p="http://schemas.openxmlformats.org/presentationml/2006/main">
   <p:cSld>
     <p:spTree>
@@ -3520,6 +3706,36 @@
           </a:extLst>
         </p:spPr>
       </p:pic>
+      <p:cxnSp>
+        <p:nvCxnSpPr>
+          <p:cNvPr id="5" name="直線接點 4"/>
+          <p:cNvCxnSpPr/>
+          <p:nvPr/>
+        </p:nvCxnSpPr>
+        <p:spPr>
+          <a:xfrm flipV="1">
+            <a:off x="2699792" y="1340768"/>
+            <a:ext cx="1656184" cy="1440160"/>
+          </a:xfrm>
+          <a:prstGeom prst="line">
+            <a:avLst/>
+          </a:prstGeom>
+        </p:spPr>
+        <p:style>
+          <a:lnRef idx="1">
+            <a:schemeClr val="accent1"/>
+          </a:lnRef>
+          <a:fillRef idx="0">
+            <a:schemeClr val="accent1"/>
+          </a:fillRef>
+          <a:effectRef idx="0">
+            <a:schemeClr val="accent1"/>
+          </a:effectRef>
+          <a:fontRef idx="minor">
+            <a:schemeClr val="tx1"/>
+          </a:fontRef>
+        </p:style>
+      </p:cxnSp>
     </p:spTree>
     <p:extLst>
       <p:ext uri="{BB962C8B-B14F-4D97-AF65-F5344CB8AC3E}">
@@ -3533,7 +3749,7 @@
 </p:sld>
 </file>
 
-<file path=ppt/slides/slide13.xml><?xml version="1.0" encoding="utf-8"?>
+<file path=ppt/slides/slide14.xml><?xml version="1.0" encoding="utf-8"?>
 <p:sld xmlns:a="http://schemas.openxmlformats.org/drawingml/2006/main" xmlns:r="http://schemas.openxmlformats.org/officeDocument/2006/relationships" xmlns:p="http://schemas.openxmlformats.org/presentationml/2006/main">
   <p:cSld>
     <p:spTree>
@@ -3655,7 +3871,7 @@
 </p:sld>
 </file>
 
-<file path=ppt/slides/slide14.xml><?xml version="1.0" encoding="utf-8"?>
+<file path=ppt/slides/slide15.xml><?xml version="1.0" encoding="utf-8"?>
 <p:sld xmlns:a="http://schemas.openxmlformats.org/drawingml/2006/main" xmlns:r="http://schemas.openxmlformats.org/officeDocument/2006/relationships" xmlns:p="http://schemas.openxmlformats.org/presentationml/2006/main">
   <p:cSld>
     <p:spTree>
@@ -3695,7 +3911,7 @@
         </p:blipFill>
         <p:spPr bwMode="auto">
           <a:xfrm>
-            <a:off x="251520" y="1052736"/>
+            <a:off x="251520" y="1988840"/>
             <a:ext cx="8214202" cy="4412462"/>
           </a:xfrm>
           <a:prstGeom prst="rect">
@@ -3726,6 +3942,38 @@
           </a:extLst>
         </p:spPr>
       </p:pic>
+      <p:sp>
+        <p:nvSpPr>
+          <p:cNvPr id="5" name="文字方塊 4"/>
+          <p:cNvSpPr txBox="1"/>
+          <p:nvPr/>
+        </p:nvSpPr>
+        <p:spPr>
+          <a:xfrm>
+            <a:off x="2604532" y="692696"/>
+            <a:ext cx="3168352" cy="954107"/>
+          </a:xfrm>
+          <a:prstGeom prst="rect">
+            <a:avLst/>
+          </a:prstGeom>
+          <a:noFill/>
+        </p:spPr>
+        <p:txBody>
+          <a:bodyPr wrap="square" rtlCol="0">
+            <a:spAutoFit/>
+          </a:bodyPr>
+          <a:lstStyle/>
+          <a:p>
+            <a:r>
+              <a:rPr lang="en-US" altLang="zh-TW" sz="2800" b="1" dirty="0"/>
+              <a:t>HTML_CSS_1.html</a:t>
+            </a:r>
+          </a:p>
+          <a:p>
+            <a:endParaRPr lang="zh-TW" altLang="en-US" sz="2800" dirty="0"/>
+          </a:p>
+        </p:txBody>
+      </p:sp>
     </p:spTree>
     <p:extLst>
       <p:ext uri="{BB962C8B-B14F-4D97-AF65-F5344CB8AC3E}">
@@ -3736,10 +3984,17 @@
   <p:clrMapOvr>
     <a:masterClrMapping/>
   </p:clrMapOvr>
+  <p:timing>
+    <p:tnLst>
+      <p:par>
+        <p:cTn id="1" dur="indefinite" restart="never" nodeType="tmRoot"/>
+      </p:par>
+    </p:tnLst>
+  </p:timing>
 </p:sld>
 </file>
 
-<file path=ppt/slides/slide15.xml><?xml version="1.0" encoding="utf-8"?>
+<file path=ppt/slides/slide16.xml><?xml version="1.0" encoding="utf-8"?>
 <p:sld xmlns:a="http://schemas.openxmlformats.org/drawingml/2006/main" xmlns:r="http://schemas.openxmlformats.org/officeDocument/2006/relationships" xmlns:p="http://schemas.openxmlformats.org/presentationml/2006/main">
   <p:cSld>
     <p:spTree>
@@ -3858,6 +4113,387 @@
   <p:clrMapOvr>
     <a:masterClrMapping/>
   </p:clrMapOvr>
+  <p:timing>
+    <p:tnLst>
+      <p:par>
+        <p:cTn id="1" dur="indefinite" restart="never" nodeType="tmRoot"/>
+      </p:par>
+    </p:tnLst>
+  </p:timing>
+</p:sld>
+</file>
+
+<file path=ppt/slides/slide17.xml><?xml version="1.0" encoding="utf-8"?>
+<p:sld xmlns:a="http://schemas.openxmlformats.org/drawingml/2006/main" xmlns:r="http://schemas.openxmlformats.org/officeDocument/2006/relationships" xmlns:p="http://schemas.openxmlformats.org/presentationml/2006/main">
+  <p:cSld>
+    <p:spTree>
+      <p:nvGrpSpPr>
+        <p:cNvPr id="1" name=""/>
+        <p:cNvGrpSpPr/>
+        <p:nvPr/>
+      </p:nvGrpSpPr>
+      <p:grpSpPr>
+        <a:xfrm>
+          <a:off x="0" y="0"/>
+          <a:ext cx="0" cy="0"/>
+          <a:chOff x="0" y="0"/>
+          <a:chExt cx="0" cy="0"/>
+        </a:xfrm>
+      </p:grpSpPr>
+      <p:sp>
+        <p:nvSpPr>
+          <p:cNvPr id="2" name="標題 1"/>
+          <p:cNvSpPr>
+            <a:spLocks noGrp="1"/>
+          </p:cNvSpPr>
+          <p:nvPr>
+            <p:ph type="title"/>
+          </p:nvPr>
+        </p:nvSpPr>
+        <p:spPr/>
+        <p:txBody>
+          <a:bodyPr/>
+          <a:lstStyle/>
+          <a:p>
+            <a:endParaRPr lang="zh-TW" altLang="en-US"/>
+          </a:p>
+        </p:txBody>
+      </p:sp>
+      <p:sp>
+        <p:nvSpPr>
+          <p:cNvPr id="3" name="內容版面配置區 2"/>
+          <p:cNvSpPr>
+            <a:spLocks noGrp="1"/>
+          </p:cNvSpPr>
+          <p:nvPr>
+            <p:ph idx="1"/>
+          </p:nvPr>
+        </p:nvSpPr>
+        <p:spPr/>
+        <p:txBody>
+          <a:bodyPr/>
+          <a:lstStyle/>
+          <a:p>
+            <a:endParaRPr lang="zh-TW" altLang="en-US"/>
+          </a:p>
+        </p:txBody>
+      </p:sp>
+      <p:pic>
+        <p:nvPicPr>
+          <p:cNvPr id="17410" name="Picture 2"/>
+          <p:cNvPicPr>
+            <a:picLocks noChangeAspect="1" noChangeArrowheads="1"/>
+          </p:cNvPicPr>
+          <p:nvPr/>
+        </p:nvPicPr>
+        <p:blipFill>
+          <a:blip r:embed="rId2">
+            <a:extLst>
+              <a:ext uri="{28A0092B-C50C-407E-A947-70E740481C1C}">
+                <a14:useLocalDpi xmlns:a14="http://schemas.microsoft.com/office/drawing/2010/main" val="0"/>
+              </a:ext>
+            </a:extLst>
+          </a:blip>
+          <a:srcRect/>
+          <a:stretch>
+            <a:fillRect/>
+          </a:stretch>
+        </p:blipFill>
+        <p:spPr bwMode="auto">
+          <a:xfrm>
+            <a:off x="539552" y="1628800"/>
+            <a:ext cx="7605092" cy="4415573"/>
+          </a:xfrm>
+          <a:prstGeom prst="rect">
+            <a:avLst/>
+          </a:prstGeom>
+          <a:noFill/>
+          <a:ln>
+            <a:noFill/>
+          </a:ln>
+          <a:extLst>
+            <a:ext uri="{909E8E84-426E-40DD-AFC4-6F175D3DCCD1}">
+              <a14:hiddenFill xmlns:a14="http://schemas.microsoft.com/office/drawing/2010/main">
+                <a:solidFill>
+                  <a:schemeClr val="accent1"/>
+                </a:solidFill>
+              </a14:hiddenFill>
+            </a:ext>
+            <a:ext uri="{91240B29-F687-4F45-9708-019B960494DF}">
+              <a14:hiddenLine xmlns:a14="http://schemas.microsoft.com/office/drawing/2010/main" w="9525">
+                <a:solidFill>
+                  <a:schemeClr val="tx1"/>
+                </a:solidFill>
+                <a:miter lim="800000"/>
+                <a:headEnd/>
+                <a:tailEnd/>
+              </a14:hiddenLine>
+            </a:ext>
+          </a:extLst>
+        </p:spPr>
+      </p:pic>
+    </p:spTree>
+    <p:extLst>
+      <p:ext uri="{BB962C8B-B14F-4D97-AF65-F5344CB8AC3E}">
+        <p14:creationId xmlns:p14="http://schemas.microsoft.com/office/powerpoint/2010/main" val="1693388381"/>
+      </p:ext>
+    </p:extLst>
+  </p:cSld>
+  <p:clrMapOvr>
+    <a:masterClrMapping/>
+  </p:clrMapOvr>
+  <p:timing>
+    <p:tnLst>
+      <p:par>
+        <p:cTn id="1" dur="indefinite" restart="never" nodeType="tmRoot"/>
+      </p:par>
+    </p:tnLst>
+  </p:timing>
+</p:sld>
+</file>
+
+<file path=ppt/slides/slide18.xml><?xml version="1.0" encoding="utf-8"?>
+<p:sld xmlns:a="http://schemas.openxmlformats.org/drawingml/2006/main" xmlns:r="http://schemas.openxmlformats.org/officeDocument/2006/relationships" xmlns:p="http://schemas.openxmlformats.org/presentationml/2006/main">
+  <p:cSld>
+    <p:spTree>
+      <p:nvGrpSpPr>
+        <p:cNvPr id="1" name=""/>
+        <p:cNvGrpSpPr/>
+        <p:nvPr/>
+      </p:nvGrpSpPr>
+      <p:grpSpPr>
+        <a:xfrm>
+          <a:off x="0" y="0"/>
+          <a:ext cx="0" cy="0"/>
+          <a:chOff x="0" y="0"/>
+          <a:chExt cx="0" cy="0"/>
+        </a:xfrm>
+      </p:grpSpPr>
+      <p:sp>
+        <p:nvSpPr>
+          <p:cNvPr id="2" name="標題 1"/>
+          <p:cNvSpPr>
+            <a:spLocks noGrp="1"/>
+          </p:cNvSpPr>
+          <p:nvPr>
+            <p:ph type="title"/>
+          </p:nvPr>
+        </p:nvSpPr>
+        <p:spPr/>
+        <p:txBody>
+          <a:bodyPr/>
+          <a:lstStyle/>
+          <a:p>
+            <a:endParaRPr lang="zh-TW" altLang="en-US" dirty="0"/>
+          </a:p>
+        </p:txBody>
+      </p:sp>
+      <p:pic>
+        <p:nvPicPr>
+          <p:cNvPr id="16386" name="Picture 2"/>
+          <p:cNvPicPr>
+            <a:picLocks noGrp="1" noChangeAspect="1" noChangeArrowheads="1"/>
+          </p:cNvPicPr>
+          <p:nvPr>
+            <p:ph idx="1"/>
+          </p:nvPr>
+        </p:nvPicPr>
+        <p:blipFill>
+          <a:blip r:embed="rId2">
+            <a:extLst>
+              <a:ext uri="{28A0092B-C50C-407E-A947-70E740481C1C}">
+                <a14:useLocalDpi xmlns:a14="http://schemas.microsoft.com/office/drawing/2010/main" val="0"/>
+              </a:ext>
+            </a:extLst>
+          </a:blip>
+          <a:srcRect/>
+          <a:stretch>
+            <a:fillRect/>
+          </a:stretch>
+        </p:blipFill>
+        <p:spPr bwMode="auto">
+          <a:xfrm>
+            <a:off x="539551" y="1628800"/>
+            <a:ext cx="7396832" cy="4824536"/>
+          </a:xfrm>
+          <a:prstGeom prst="rect">
+            <a:avLst/>
+          </a:prstGeom>
+          <a:noFill/>
+          <a:ln>
+            <a:noFill/>
+          </a:ln>
+          <a:extLst>
+            <a:ext uri="{909E8E84-426E-40DD-AFC4-6F175D3DCCD1}">
+              <a14:hiddenFill xmlns:a14="http://schemas.microsoft.com/office/drawing/2010/main">
+                <a:solidFill>
+                  <a:schemeClr val="accent1"/>
+                </a:solidFill>
+              </a14:hiddenFill>
+            </a:ext>
+            <a:ext uri="{91240B29-F687-4F45-9708-019B960494DF}">
+              <a14:hiddenLine xmlns:a14="http://schemas.microsoft.com/office/drawing/2010/main" w="9525">
+                <a:solidFill>
+                  <a:schemeClr val="tx1"/>
+                </a:solidFill>
+                <a:miter lim="800000"/>
+                <a:headEnd/>
+                <a:tailEnd/>
+              </a14:hiddenLine>
+            </a:ext>
+          </a:extLst>
+        </p:spPr>
+      </p:pic>
+    </p:spTree>
+    <p:extLst>
+      <p:ext uri="{BB962C8B-B14F-4D97-AF65-F5344CB8AC3E}">
+        <p14:creationId xmlns:p14="http://schemas.microsoft.com/office/powerpoint/2010/main" val="3806089034"/>
+      </p:ext>
+    </p:extLst>
+  </p:cSld>
+  <p:clrMapOvr>
+    <a:masterClrMapping/>
+  </p:clrMapOvr>
+  <p:timing>
+    <p:tnLst>
+      <p:par>
+        <p:cTn id="1" dur="indefinite" restart="never" nodeType="tmRoot"/>
+      </p:par>
+    </p:tnLst>
+  </p:timing>
+</p:sld>
+</file>
+
+<file path=ppt/slides/slide19.xml><?xml version="1.0" encoding="utf-8"?>
+<p:sld xmlns:a="http://schemas.openxmlformats.org/drawingml/2006/main" xmlns:r="http://schemas.openxmlformats.org/officeDocument/2006/relationships" xmlns:p="http://schemas.openxmlformats.org/presentationml/2006/main">
+  <p:cSld>
+    <p:spTree>
+      <p:nvGrpSpPr>
+        <p:cNvPr id="1" name=""/>
+        <p:cNvGrpSpPr/>
+        <p:nvPr/>
+      </p:nvGrpSpPr>
+      <p:grpSpPr>
+        <a:xfrm>
+          <a:off x="0" y="0"/>
+          <a:ext cx="0" cy="0"/>
+          <a:chOff x="0" y="0"/>
+          <a:chExt cx="0" cy="0"/>
+        </a:xfrm>
+      </p:grpSpPr>
+      <p:sp>
+        <p:nvSpPr>
+          <p:cNvPr id="2" name="標題 1"/>
+          <p:cNvSpPr>
+            <a:spLocks noGrp="1"/>
+          </p:cNvSpPr>
+          <p:nvPr>
+            <p:ph type="title"/>
+          </p:nvPr>
+        </p:nvSpPr>
+        <p:spPr/>
+        <p:txBody>
+          <a:bodyPr/>
+          <a:lstStyle/>
+          <a:p>
+            <a:r>
+              <a:rPr lang="en-US" altLang="zh-TW" dirty="0" smtClean="0"/>
+              <a:t>PHP_A_1.php</a:t>
+            </a:r>
+            <a:endParaRPr lang="zh-TW" altLang="en-US" dirty="0"/>
+          </a:p>
+        </p:txBody>
+      </p:sp>
+      <p:sp>
+        <p:nvSpPr>
+          <p:cNvPr id="3" name="內容版面配置區 2"/>
+          <p:cNvSpPr>
+            <a:spLocks noGrp="1"/>
+          </p:cNvSpPr>
+          <p:nvPr>
+            <p:ph idx="1"/>
+          </p:nvPr>
+        </p:nvSpPr>
+        <p:spPr/>
+        <p:txBody>
+          <a:bodyPr/>
+          <a:lstStyle/>
+          <a:p>
+            <a:endParaRPr lang="zh-TW" altLang="en-US"/>
+          </a:p>
+        </p:txBody>
+      </p:sp>
+      <p:pic>
+        <p:nvPicPr>
+          <p:cNvPr id="19458" name="Picture 2"/>
+          <p:cNvPicPr>
+            <a:picLocks noChangeAspect="1" noChangeArrowheads="1"/>
+          </p:cNvPicPr>
+          <p:nvPr/>
+        </p:nvPicPr>
+        <p:blipFill>
+          <a:blip r:embed="rId2">
+            <a:extLst>
+              <a:ext uri="{28A0092B-C50C-407E-A947-70E740481C1C}">
+                <a14:useLocalDpi xmlns:a14="http://schemas.microsoft.com/office/drawing/2010/main" val="0"/>
+              </a:ext>
+            </a:extLst>
+          </a:blip>
+          <a:srcRect/>
+          <a:stretch>
+            <a:fillRect/>
+          </a:stretch>
+        </p:blipFill>
+        <p:spPr bwMode="auto">
+          <a:xfrm>
+            <a:off x="467544" y="1700808"/>
+            <a:ext cx="4410075" cy="1714500"/>
+          </a:xfrm>
+          <a:prstGeom prst="rect">
+            <a:avLst/>
+          </a:prstGeom>
+          <a:noFill/>
+          <a:ln>
+            <a:noFill/>
+          </a:ln>
+          <a:extLst>
+            <a:ext uri="{909E8E84-426E-40DD-AFC4-6F175D3DCCD1}">
+              <a14:hiddenFill xmlns:a14="http://schemas.microsoft.com/office/drawing/2010/main">
+                <a:solidFill>
+                  <a:schemeClr val="accent1"/>
+                </a:solidFill>
+              </a14:hiddenFill>
+            </a:ext>
+            <a:ext uri="{91240B29-F687-4F45-9708-019B960494DF}">
+              <a14:hiddenLine xmlns:a14="http://schemas.microsoft.com/office/drawing/2010/main" w="9525">
+                <a:solidFill>
+                  <a:schemeClr val="tx1"/>
+                </a:solidFill>
+                <a:miter lim="800000"/>
+                <a:headEnd/>
+                <a:tailEnd/>
+              </a14:hiddenLine>
+            </a:ext>
+          </a:extLst>
+        </p:spPr>
+      </p:pic>
+    </p:spTree>
+    <p:extLst>
+      <p:ext uri="{BB962C8B-B14F-4D97-AF65-F5344CB8AC3E}">
+        <p14:creationId xmlns:p14="http://schemas.microsoft.com/office/powerpoint/2010/main" val="2351269745"/>
+      </p:ext>
+    </p:extLst>
+  </p:cSld>
+  <p:clrMapOvr>
+    <a:masterClrMapping/>
+  </p:clrMapOvr>
+  <p:timing>
+    <p:tnLst>
+      <p:par>
+        <p:cTn id="1" dur="indefinite" restart="never" nodeType="tmRoot"/>
+      </p:par>
+    </p:tnLst>
+  </p:timing>
 </p:sld>
 </file>
 
@@ -3963,6 +4599,827 @@
   <p:clrMapOvr>
     <a:masterClrMapping/>
   </p:clrMapOvr>
+</p:sld>
+</file>
+
+<file path=ppt/slides/slide20.xml><?xml version="1.0" encoding="utf-8"?>
+<p:sld xmlns:a="http://schemas.openxmlformats.org/drawingml/2006/main" xmlns:r="http://schemas.openxmlformats.org/officeDocument/2006/relationships" xmlns:p="http://schemas.openxmlformats.org/presentationml/2006/main">
+  <p:cSld>
+    <p:spTree>
+      <p:nvGrpSpPr>
+        <p:cNvPr id="1" name=""/>
+        <p:cNvGrpSpPr/>
+        <p:nvPr/>
+      </p:nvGrpSpPr>
+      <p:grpSpPr>
+        <a:xfrm>
+          <a:off x="0" y="0"/>
+          <a:ext cx="0" cy="0"/>
+          <a:chOff x="0" y="0"/>
+          <a:chExt cx="0" cy="0"/>
+        </a:xfrm>
+      </p:grpSpPr>
+      <p:sp>
+        <p:nvSpPr>
+          <p:cNvPr id="2" name="標題 1"/>
+          <p:cNvSpPr>
+            <a:spLocks noGrp="1"/>
+          </p:cNvSpPr>
+          <p:nvPr>
+            <p:ph type="title"/>
+          </p:nvPr>
+        </p:nvSpPr>
+        <p:spPr/>
+        <p:txBody>
+          <a:bodyPr/>
+          <a:lstStyle/>
+          <a:p>
+            <a:endParaRPr lang="zh-TW" altLang="en-US"/>
+          </a:p>
+        </p:txBody>
+      </p:sp>
+      <p:pic>
+        <p:nvPicPr>
+          <p:cNvPr id="20482" name="Picture 2"/>
+          <p:cNvPicPr>
+            <a:picLocks noGrp="1" noChangeAspect="1" noChangeArrowheads="1"/>
+          </p:cNvPicPr>
+          <p:nvPr>
+            <p:ph idx="1"/>
+          </p:nvPr>
+        </p:nvPicPr>
+        <p:blipFill>
+          <a:blip r:embed="rId2">
+            <a:extLst>
+              <a:ext uri="{28A0092B-C50C-407E-A947-70E740481C1C}">
+                <a14:useLocalDpi xmlns:a14="http://schemas.microsoft.com/office/drawing/2010/main" val="0"/>
+              </a:ext>
+            </a:extLst>
+          </a:blip>
+          <a:srcRect/>
+          <a:stretch>
+            <a:fillRect/>
+          </a:stretch>
+        </p:blipFill>
+        <p:spPr bwMode="auto">
+          <a:xfrm>
+            <a:off x="323528" y="1628800"/>
+            <a:ext cx="6391275" cy="2543175"/>
+          </a:xfrm>
+          <a:prstGeom prst="rect">
+            <a:avLst/>
+          </a:prstGeom>
+          <a:noFill/>
+          <a:ln>
+            <a:noFill/>
+          </a:ln>
+          <a:extLst>
+            <a:ext uri="{909E8E84-426E-40DD-AFC4-6F175D3DCCD1}">
+              <a14:hiddenFill xmlns:a14="http://schemas.microsoft.com/office/drawing/2010/main">
+                <a:solidFill>
+                  <a:schemeClr val="accent1"/>
+                </a:solidFill>
+              </a14:hiddenFill>
+            </a:ext>
+            <a:ext uri="{91240B29-F687-4F45-9708-019B960494DF}">
+              <a14:hiddenLine xmlns:a14="http://schemas.microsoft.com/office/drawing/2010/main" w="9525">
+                <a:solidFill>
+                  <a:schemeClr val="tx1"/>
+                </a:solidFill>
+                <a:miter lim="800000"/>
+                <a:headEnd/>
+                <a:tailEnd/>
+              </a14:hiddenLine>
+            </a:ext>
+          </a:extLst>
+        </p:spPr>
+      </p:pic>
+    </p:spTree>
+    <p:extLst>
+      <p:ext uri="{BB962C8B-B14F-4D97-AF65-F5344CB8AC3E}">
+        <p14:creationId xmlns:p14="http://schemas.microsoft.com/office/powerpoint/2010/main" val="2882012206"/>
+      </p:ext>
+    </p:extLst>
+  </p:cSld>
+  <p:clrMapOvr>
+    <a:masterClrMapping/>
+  </p:clrMapOvr>
+  <p:timing>
+    <p:tnLst>
+      <p:par>
+        <p:cTn id="1" dur="indefinite" restart="never" nodeType="tmRoot"/>
+      </p:par>
+    </p:tnLst>
+  </p:timing>
+</p:sld>
+</file>
+
+<file path=ppt/slides/slide21.xml><?xml version="1.0" encoding="utf-8"?>
+<p:sld xmlns:a="http://schemas.openxmlformats.org/drawingml/2006/main" xmlns:r="http://schemas.openxmlformats.org/officeDocument/2006/relationships" xmlns:p="http://schemas.openxmlformats.org/presentationml/2006/main">
+  <p:cSld>
+    <p:spTree>
+      <p:nvGrpSpPr>
+        <p:cNvPr id="1" name=""/>
+        <p:cNvGrpSpPr/>
+        <p:nvPr/>
+      </p:nvGrpSpPr>
+      <p:grpSpPr>
+        <a:xfrm>
+          <a:off x="0" y="0"/>
+          <a:ext cx="0" cy="0"/>
+          <a:chOff x="0" y="0"/>
+          <a:chExt cx="0" cy="0"/>
+        </a:xfrm>
+      </p:grpSpPr>
+      <p:sp>
+        <p:nvSpPr>
+          <p:cNvPr id="2" name="標題 1"/>
+          <p:cNvSpPr>
+            <a:spLocks noGrp="1"/>
+          </p:cNvSpPr>
+          <p:nvPr>
+            <p:ph type="title"/>
+          </p:nvPr>
+        </p:nvSpPr>
+        <p:spPr/>
+        <p:txBody>
+          <a:bodyPr/>
+          <a:lstStyle/>
+          <a:p>
+            <a:endParaRPr lang="zh-TW" altLang="en-US"/>
+          </a:p>
+        </p:txBody>
+      </p:sp>
+      <p:pic>
+        <p:nvPicPr>
+          <p:cNvPr id="21506" name="Picture 2"/>
+          <p:cNvPicPr>
+            <a:picLocks noGrp="1" noChangeAspect="1" noChangeArrowheads="1"/>
+          </p:cNvPicPr>
+          <p:nvPr>
+            <p:ph idx="1"/>
+          </p:nvPr>
+        </p:nvPicPr>
+        <p:blipFill>
+          <a:blip r:embed="rId2">
+            <a:extLst>
+              <a:ext uri="{28A0092B-C50C-407E-A947-70E740481C1C}">
+                <a14:useLocalDpi xmlns:a14="http://schemas.microsoft.com/office/drawing/2010/main" val="0"/>
+              </a:ext>
+            </a:extLst>
+          </a:blip>
+          <a:srcRect/>
+          <a:stretch>
+            <a:fillRect/>
+          </a:stretch>
+        </p:blipFill>
+        <p:spPr bwMode="auto">
+          <a:xfrm>
+            <a:off x="835010" y="1600200"/>
+            <a:ext cx="7473980" cy="4525963"/>
+          </a:xfrm>
+          <a:prstGeom prst="rect">
+            <a:avLst/>
+          </a:prstGeom>
+          <a:noFill/>
+          <a:ln>
+            <a:noFill/>
+          </a:ln>
+          <a:extLst>
+            <a:ext uri="{909E8E84-426E-40DD-AFC4-6F175D3DCCD1}">
+              <a14:hiddenFill xmlns:a14="http://schemas.microsoft.com/office/drawing/2010/main">
+                <a:solidFill>
+                  <a:schemeClr val="accent1"/>
+                </a:solidFill>
+              </a14:hiddenFill>
+            </a:ext>
+            <a:ext uri="{91240B29-F687-4F45-9708-019B960494DF}">
+              <a14:hiddenLine xmlns:a14="http://schemas.microsoft.com/office/drawing/2010/main" w="9525">
+                <a:solidFill>
+                  <a:schemeClr val="tx1"/>
+                </a:solidFill>
+                <a:miter lim="800000"/>
+                <a:headEnd/>
+                <a:tailEnd/>
+              </a14:hiddenLine>
+            </a:ext>
+          </a:extLst>
+        </p:spPr>
+      </p:pic>
+    </p:spTree>
+    <p:extLst>
+      <p:ext uri="{BB962C8B-B14F-4D97-AF65-F5344CB8AC3E}">
+        <p14:creationId xmlns:p14="http://schemas.microsoft.com/office/powerpoint/2010/main" val="4088135767"/>
+      </p:ext>
+    </p:extLst>
+  </p:cSld>
+  <p:clrMapOvr>
+    <a:masterClrMapping/>
+  </p:clrMapOvr>
+  <p:timing>
+    <p:tnLst>
+      <p:par>
+        <p:cTn id="1" dur="indefinite" restart="never" nodeType="tmRoot"/>
+      </p:par>
+    </p:tnLst>
+  </p:timing>
+</p:sld>
+</file>
+
+<file path=ppt/slides/slide22.xml><?xml version="1.0" encoding="utf-8"?>
+<p:sld xmlns:a="http://schemas.openxmlformats.org/drawingml/2006/main" xmlns:r="http://schemas.openxmlformats.org/officeDocument/2006/relationships" xmlns:p="http://schemas.openxmlformats.org/presentationml/2006/main">
+  <p:cSld>
+    <p:spTree>
+      <p:nvGrpSpPr>
+        <p:cNvPr id="1" name=""/>
+        <p:cNvGrpSpPr/>
+        <p:nvPr/>
+      </p:nvGrpSpPr>
+      <p:grpSpPr>
+        <a:xfrm>
+          <a:off x="0" y="0"/>
+          <a:ext cx="0" cy="0"/>
+          <a:chOff x="0" y="0"/>
+          <a:chExt cx="0" cy="0"/>
+        </a:xfrm>
+      </p:grpSpPr>
+      <p:sp>
+        <p:nvSpPr>
+          <p:cNvPr id="2" name="標題 1"/>
+          <p:cNvSpPr>
+            <a:spLocks noGrp="1"/>
+          </p:cNvSpPr>
+          <p:nvPr>
+            <p:ph type="title"/>
+          </p:nvPr>
+        </p:nvSpPr>
+        <p:spPr/>
+        <p:txBody>
+          <a:bodyPr/>
+          <a:lstStyle/>
+          <a:p>
+            <a:r>
+              <a:rPr lang="en-US" altLang="zh-TW" dirty="0" smtClean="0"/>
+              <a:t> </a:t>
+            </a:r>
+            <a:r>
+              <a:rPr lang="en-US" altLang="zh-TW" dirty="0" err="1" smtClean="0"/>
+              <a:t>phpinfo</a:t>
+            </a:r>
+            <a:r>
+              <a:rPr lang="en-US" altLang="zh-TW" dirty="0" smtClean="0"/>
+              <a:t>();</a:t>
+            </a:r>
+            <a:endParaRPr lang="zh-TW" altLang="en-US" dirty="0"/>
+          </a:p>
+        </p:txBody>
+      </p:sp>
+      <p:pic>
+        <p:nvPicPr>
+          <p:cNvPr id="22530" name="Picture 2"/>
+          <p:cNvPicPr>
+            <a:picLocks noGrp="1" noChangeAspect="1" noChangeArrowheads="1"/>
+          </p:cNvPicPr>
+          <p:nvPr>
+            <p:ph idx="1"/>
+          </p:nvPr>
+        </p:nvPicPr>
+        <p:blipFill>
+          <a:blip r:embed="rId2">
+            <a:extLst>
+              <a:ext uri="{28A0092B-C50C-407E-A947-70E740481C1C}">
+                <a14:useLocalDpi xmlns:a14="http://schemas.microsoft.com/office/drawing/2010/main" val="0"/>
+              </a:ext>
+            </a:extLst>
+          </a:blip>
+          <a:srcRect/>
+          <a:stretch>
+            <a:fillRect/>
+          </a:stretch>
+        </p:blipFill>
+        <p:spPr bwMode="auto">
+          <a:xfrm>
+            <a:off x="467544" y="1700808"/>
+            <a:ext cx="4667250" cy="2333625"/>
+          </a:xfrm>
+          <a:prstGeom prst="rect">
+            <a:avLst/>
+          </a:prstGeom>
+          <a:noFill/>
+          <a:ln>
+            <a:noFill/>
+          </a:ln>
+          <a:extLst>
+            <a:ext uri="{909E8E84-426E-40DD-AFC4-6F175D3DCCD1}">
+              <a14:hiddenFill xmlns:a14="http://schemas.microsoft.com/office/drawing/2010/main">
+                <a:solidFill>
+                  <a:schemeClr val="accent1"/>
+                </a:solidFill>
+              </a14:hiddenFill>
+            </a:ext>
+            <a:ext uri="{91240B29-F687-4F45-9708-019B960494DF}">
+              <a14:hiddenLine xmlns:a14="http://schemas.microsoft.com/office/drawing/2010/main" w="9525">
+                <a:solidFill>
+                  <a:schemeClr val="tx1"/>
+                </a:solidFill>
+                <a:miter lim="800000"/>
+                <a:headEnd/>
+                <a:tailEnd/>
+              </a14:hiddenLine>
+            </a:ext>
+          </a:extLst>
+        </p:spPr>
+      </p:pic>
+      <p:cxnSp>
+        <p:nvCxnSpPr>
+          <p:cNvPr id="5" name="直線單箭頭接點 4"/>
+          <p:cNvCxnSpPr/>
+          <p:nvPr/>
+        </p:nvCxnSpPr>
+        <p:spPr>
+          <a:xfrm flipV="1">
+            <a:off x="2267744" y="1268760"/>
+            <a:ext cx="2160240" cy="1944216"/>
+          </a:xfrm>
+          <a:prstGeom prst="straightConnector1">
+            <a:avLst/>
+          </a:prstGeom>
+          <a:ln>
+            <a:tailEnd type="arrow"/>
+          </a:ln>
+        </p:spPr>
+        <p:style>
+          <a:lnRef idx="1">
+            <a:schemeClr val="accent1"/>
+          </a:lnRef>
+          <a:fillRef idx="0">
+            <a:schemeClr val="accent1"/>
+          </a:fillRef>
+          <a:effectRef idx="0">
+            <a:schemeClr val="accent1"/>
+          </a:effectRef>
+          <a:fontRef idx="minor">
+            <a:schemeClr val="tx1"/>
+          </a:fontRef>
+        </p:style>
+      </p:cxnSp>
+    </p:spTree>
+    <p:extLst>
+      <p:ext uri="{BB962C8B-B14F-4D97-AF65-F5344CB8AC3E}">
+        <p14:creationId xmlns:p14="http://schemas.microsoft.com/office/powerpoint/2010/main" val="1683058866"/>
+      </p:ext>
+    </p:extLst>
+  </p:cSld>
+  <p:clrMapOvr>
+    <a:masterClrMapping/>
+  </p:clrMapOvr>
+  <p:timing>
+    <p:tnLst>
+      <p:par>
+        <p:cTn id="1" dur="indefinite" restart="never" nodeType="tmRoot"/>
+      </p:par>
+    </p:tnLst>
+  </p:timing>
+</p:sld>
+</file>
+
+<file path=ppt/slides/slide23.xml><?xml version="1.0" encoding="utf-8"?>
+<p:sld xmlns:a="http://schemas.openxmlformats.org/drawingml/2006/main" xmlns:r="http://schemas.openxmlformats.org/officeDocument/2006/relationships" xmlns:p="http://schemas.openxmlformats.org/presentationml/2006/main">
+  <p:cSld>
+    <p:spTree>
+      <p:nvGrpSpPr>
+        <p:cNvPr id="1" name=""/>
+        <p:cNvGrpSpPr/>
+        <p:nvPr/>
+      </p:nvGrpSpPr>
+      <p:grpSpPr>
+        <a:xfrm>
+          <a:off x="0" y="0"/>
+          <a:ext cx="0" cy="0"/>
+          <a:chOff x="0" y="0"/>
+          <a:chExt cx="0" cy="0"/>
+        </a:xfrm>
+      </p:grpSpPr>
+      <p:sp>
+        <p:nvSpPr>
+          <p:cNvPr id="2" name="標題 1"/>
+          <p:cNvSpPr>
+            <a:spLocks noGrp="1"/>
+          </p:cNvSpPr>
+          <p:nvPr>
+            <p:ph type="title"/>
+          </p:nvPr>
+        </p:nvSpPr>
+        <p:spPr/>
+        <p:txBody>
+          <a:bodyPr/>
+          <a:lstStyle/>
+          <a:p>
+            <a:endParaRPr lang="zh-TW" altLang="en-US"/>
+          </a:p>
+        </p:txBody>
+      </p:sp>
+      <p:pic>
+        <p:nvPicPr>
+          <p:cNvPr id="23554" name="Picture 2"/>
+          <p:cNvPicPr>
+            <a:picLocks noGrp="1" noChangeAspect="1" noChangeArrowheads="1"/>
+          </p:cNvPicPr>
+          <p:nvPr>
+            <p:ph idx="1"/>
+          </p:nvPr>
+        </p:nvPicPr>
+        <p:blipFill>
+          <a:blip r:embed="rId2">
+            <a:extLst>
+              <a:ext uri="{28A0092B-C50C-407E-A947-70E740481C1C}">
+                <a14:useLocalDpi xmlns:a14="http://schemas.microsoft.com/office/drawing/2010/main" val="0"/>
+              </a:ext>
+            </a:extLst>
+          </a:blip>
+          <a:srcRect/>
+          <a:stretch>
+            <a:fillRect/>
+          </a:stretch>
+        </p:blipFill>
+        <p:spPr bwMode="auto">
+          <a:xfrm>
+            <a:off x="179512" y="116632"/>
+            <a:ext cx="4191000" cy="2743200"/>
+          </a:xfrm>
+          <a:prstGeom prst="rect">
+            <a:avLst/>
+          </a:prstGeom>
+          <a:noFill/>
+          <a:ln>
+            <a:noFill/>
+          </a:ln>
+          <a:extLst>
+            <a:ext uri="{909E8E84-426E-40DD-AFC4-6F175D3DCCD1}">
+              <a14:hiddenFill xmlns:a14="http://schemas.microsoft.com/office/drawing/2010/main">
+                <a:solidFill>
+                  <a:schemeClr val="accent1"/>
+                </a:solidFill>
+              </a14:hiddenFill>
+            </a:ext>
+            <a:ext uri="{91240B29-F687-4F45-9708-019B960494DF}">
+              <a14:hiddenLine xmlns:a14="http://schemas.microsoft.com/office/drawing/2010/main" w="9525">
+                <a:solidFill>
+                  <a:schemeClr val="tx1"/>
+                </a:solidFill>
+                <a:miter lim="800000"/>
+                <a:headEnd/>
+                <a:tailEnd/>
+              </a14:hiddenLine>
+            </a:ext>
+          </a:extLst>
+        </p:spPr>
+      </p:pic>
+      <p:cxnSp>
+        <p:nvCxnSpPr>
+          <p:cNvPr id="5" name="直線單箭頭接點 4"/>
+          <p:cNvCxnSpPr/>
+          <p:nvPr/>
+        </p:nvCxnSpPr>
+        <p:spPr>
+          <a:xfrm>
+            <a:off x="2987824" y="1628800"/>
+            <a:ext cx="1368152" cy="1656184"/>
+          </a:xfrm>
+          <a:prstGeom prst="straightConnector1">
+            <a:avLst/>
+          </a:prstGeom>
+          <a:ln>
+            <a:tailEnd type="arrow"/>
+          </a:ln>
+        </p:spPr>
+        <p:style>
+          <a:lnRef idx="1">
+            <a:schemeClr val="accent1"/>
+          </a:lnRef>
+          <a:fillRef idx="0">
+            <a:schemeClr val="accent1"/>
+          </a:fillRef>
+          <a:effectRef idx="0">
+            <a:schemeClr val="accent1"/>
+          </a:effectRef>
+          <a:fontRef idx="minor">
+            <a:schemeClr val="tx1"/>
+          </a:fontRef>
+        </p:style>
+      </p:cxnSp>
+      <p:pic>
+        <p:nvPicPr>
+          <p:cNvPr id="23555" name="Picture 3"/>
+          <p:cNvPicPr>
+            <a:picLocks noChangeAspect="1" noChangeArrowheads="1"/>
+          </p:cNvPicPr>
+          <p:nvPr/>
+        </p:nvPicPr>
+        <p:blipFill>
+          <a:blip r:embed="rId3">
+            <a:extLst>
+              <a:ext uri="{28A0092B-C50C-407E-A947-70E740481C1C}">
+                <a14:useLocalDpi xmlns:a14="http://schemas.microsoft.com/office/drawing/2010/main" val="0"/>
+              </a:ext>
+            </a:extLst>
+          </a:blip>
+          <a:srcRect/>
+          <a:stretch>
+            <a:fillRect/>
+          </a:stretch>
+        </p:blipFill>
+        <p:spPr bwMode="auto">
+          <a:xfrm>
+            <a:off x="3491880" y="3429000"/>
+            <a:ext cx="5193035" cy="2654416"/>
+          </a:xfrm>
+          <a:prstGeom prst="rect">
+            <a:avLst/>
+          </a:prstGeom>
+          <a:noFill/>
+          <a:ln>
+            <a:noFill/>
+          </a:ln>
+          <a:extLst>
+            <a:ext uri="{909E8E84-426E-40DD-AFC4-6F175D3DCCD1}">
+              <a14:hiddenFill xmlns:a14="http://schemas.microsoft.com/office/drawing/2010/main">
+                <a:solidFill>
+                  <a:schemeClr val="accent1"/>
+                </a:solidFill>
+              </a14:hiddenFill>
+            </a:ext>
+            <a:ext uri="{91240B29-F687-4F45-9708-019B960494DF}">
+              <a14:hiddenLine xmlns:a14="http://schemas.microsoft.com/office/drawing/2010/main" w="9525">
+                <a:solidFill>
+                  <a:schemeClr val="tx1"/>
+                </a:solidFill>
+                <a:miter lim="800000"/>
+                <a:headEnd/>
+                <a:tailEnd/>
+              </a14:hiddenLine>
+            </a:ext>
+          </a:extLst>
+        </p:spPr>
+      </p:pic>
+    </p:spTree>
+    <p:extLst>
+      <p:ext uri="{BB962C8B-B14F-4D97-AF65-F5344CB8AC3E}">
+        <p14:creationId xmlns:p14="http://schemas.microsoft.com/office/powerpoint/2010/main" val="2736395736"/>
+      </p:ext>
+    </p:extLst>
+  </p:cSld>
+  <p:clrMapOvr>
+    <a:masterClrMapping/>
+  </p:clrMapOvr>
+  <p:timing>
+    <p:tnLst>
+      <p:par>
+        <p:cTn id="1" dur="indefinite" restart="never" nodeType="tmRoot"/>
+      </p:par>
+    </p:tnLst>
+  </p:timing>
+</p:sld>
+</file>
+
+<file path=ppt/slides/slide24.xml><?xml version="1.0" encoding="utf-8"?>
+<p:sld xmlns:a="http://schemas.openxmlformats.org/drawingml/2006/main" xmlns:r="http://schemas.openxmlformats.org/officeDocument/2006/relationships" xmlns:p="http://schemas.openxmlformats.org/presentationml/2006/main">
+  <p:cSld>
+    <p:spTree>
+      <p:nvGrpSpPr>
+        <p:cNvPr id="1" name=""/>
+        <p:cNvGrpSpPr/>
+        <p:nvPr/>
+      </p:nvGrpSpPr>
+      <p:grpSpPr>
+        <a:xfrm>
+          <a:off x="0" y="0"/>
+          <a:ext cx="0" cy="0"/>
+          <a:chOff x="0" y="0"/>
+          <a:chExt cx="0" cy="0"/>
+        </a:xfrm>
+      </p:grpSpPr>
+      <p:sp>
+        <p:nvSpPr>
+          <p:cNvPr id="2" name="標題 1"/>
+          <p:cNvSpPr>
+            <a:spLocks noGrp="1"/>
+          </p:cNvSpPr>
+          <p:nvPr>
+            <p:ph type="title"/>
+          </p:nvPr>
+        </p:nvSpPr>
+        <p:spPr/>
+        <p:txBody>
+          <a:bodyPr/>
+          <a:lstStyle/>
+          <a:p>
+            <a:endParaRPr lang="zh-TW" altLang="en-US"/>
+          </a:p>
+        </p:txBody>
+      </p:sp>
+      <p:sp>
+        <p:nvSpPr>
+          <p:cNvPr id="3" name="內容版面配置區 2"/>
+          <p:cNvSpPr>
+            <a:spLocks noGrp="1"/>
+          </p:cNvSpPr>
+          <p:nvPr>
+            <p:ph idx="1"/>
+          </p:nvPr>
+        </p:nvSpPr>
+        <p:spPr/>
+        <p:txBody>
+          <a:bodyPr/>
+          <a:lstStyle/>
+          <a:p>
+            <a:endParaRPr lang="zh-TW" altLang="en-US"/>
+          </a:p>
+        </p:txBody>
+      </p:sp>
+      <p:pic>
+        <p:nvPicPr>
+          <p:cNvPr id="25602" name="Picture 2"/>
+          <p:cNvPicPr>
+            <a:picLocks noChangeAspect="1" noChangeArrowheads="1"/>
+          </p:cNvPicPr>
+          <p:nvPr/>
+        </p:nvPicPr>
+        <p:blipFill>
+          <a:blip r:embed="rId2">
+            <a:extLst>
+              <a:ext uri="{28A0092B-C50C-407E-A947-70E740481C1C}">
+                <a14:useLocalDpi xmlns:a14="http://schemas.microsoft.com/office/drawing/2010/main" val="0"/>
+              </a:ext>
+            </a:extLst>
+          </a:blip>
+          <a:srcRect/>
+          <a:stretch>
+            <a:fillRect/>
+          </a:stretch>
+        </p:blipFill>
+        <p:spPr bwMode="auto">
+          <a:xfrm>
+            <a:off x="539552" y="2276872"/>
+            <a:ext cx="8241451" cy="1546374"/>
+          </a:xfrm>
+          <a:prstGeom prst="rect">
+            <a:avLst/>
+          </a:prstGeom>
+          <a:noFill/>
+          <a:ln>
+            <a:noFill/>
+          </a:ln>
+          <a:extLst>
+            <a:ext uri="{909E8E84-426E-40DD-AFC4-6F175D3DCCD1}">
+              <a14:hiddenFill xmlns:a14="http://schemas.microsoft.com/office/drawing/2010/main">
+                <a:solidFill>
+                  <a:schemeClr val="accent1"/>
+                </a:solidFill>
+              </a14:hiddenFill>
+            </a:ext>
+            <a:ext uri="{91240B29-F687-4F45-9708-019B960494DF}">
+              <a14:hiddenLine xmlns:a14="http://schemas.microsoft.com/office/drawing/2010/main" w="9525">
+                <a:solidFill>
+                  <a:schemeClr val="tx1"/>
+                </a:solidFill>
+                <a:miter lim="800000"/>
+                <a:headEnd/>
+                <a:tailEnd/>
+              </a14:hiddenLine>
+            </a:ext>
+          </a:extLst>
+        </p:spPr>
+      </p:pic>
+    </p:spTree>
+    <p:extLst>
+      <p:ext uri="{BB962C8B-B14F-4D97-AF65-F5344CB8AC3E}">
+        <p14:creationId xmlns:p14="http://schemas.microsoft.com/office/powerpoint/2010/main" val="3636755810"/>
+      </p:ext>
+    </p:extLst>
+  </p:cSld>
+  <p:clrMapOvr>
+    <a:masterClrMapping/>
+  </p:clrMapOvr>
+  <p:timing>
+    <p:tnLst>
+      <p:par>
+        <p:cTn id="1" dur="indefinite" restart="never" nodeType="tmRoot"/>
+      </p:par>
+    </p:tnLst>
+  </p:timing>
+</p:sld>
+</file>
+
+<file path=ppt/slides/slide25.xml><?xml version="1.0" encoding="utf-8"?>
+<p:sld xmlns:a="http://schemas.openxmlformats.org/drawingml/2006/main" xmlns:r="http://schemas.openxmlformats.org/officeDocument/2006/relationships" xmlns:p="http://schemas.openxmlformats.org/presentationml/2006/main">
+  <p:cSld>
+    <p:spTree>
+      <p:nvGrpSpPr>
+        <p:cNvPr id="1" name=""/>
+        <p:cNvGrpSpPr/>
+        <p:nvPr/>
+      </p:nvGrpSpPr>
+      <p:grpSpPr>
+        <a:xfrm>
+          <a:off x="0" y="0"/>
+          <a:ext cx="0" cy="0"/>
+          <a:chOff x="0" y="0"/>
+          <a:chExt cx="0" cy="0"/>
+        </a:xfrm>
+      </p:grpSpPr>
+      <p:sp>
+        <p:nvSpPr>
+          <p:cNvPr id="2" name="標題 1"/>
+          <p:cNvSpPr>
+            <a:spLocks noGrp="1"/>
+          </p:cNvSpPr>
+          <p:nvPr>
+            <p:ph type="title"/>
+          </p:nvPr>
+        </p:nvSpPr>
+        <p:spPr/>
+        <p:txBody>
+          <a:bodyPr/>
+          <a:lstStyle/>
+          <a:p>
+            <a:endParaRPr lang="zh-TW" altLang="en-US"/>
+          </a:p>
+        </p:txBody>
+      </p:sp>
+      <p:pic>
+        <p:nvPicPr>
+          <p:cNvPr id="24578" name="Picture 2"/>
+          <p:cNvPicPr>
+            <a:picLocks noGrp="1" noChangeAspect="1" noChangeArrowheads="1"/>
+          </p:cNvPicPr>
+          <p:nvPr>
+            <p:ph idx="1"/>
+          </p:nvPr>
+        </p:nvPicPr>
+        <p:blipFill>
+          <a:blip r:embed="rId2">
+            <a:extLst>
+              <a:ext uri="{28A0092B-C50C-407E-A947-70E740481C1C}">
+                <a14:useLocalDpi xmlns:a14="http://schemas.microsoft.com/office/drawing/2010/main" val="0"/>
+              </a:ext>
+            </a:extLst>
+          </a:blip>
+          <a:srcRect/>
+          <a:stretch>
+            <a:fillRect/>
+          </a:stretch>
+        </p:blipFill>
+        <p:spPr bwMode="auto">
+          <a:xfrm>
+            <a:off x="457200" y="1851304"/>
+            <a:ext cx="8229600" cy="4023754"/>
+          </a:xfrm>
+          <a:prstGeom prst="rect">
+            <a:avLst/>
+          </a:prstGeom>
+          <a:noFill/>
+          <a:ln>
+            <a:noFill/>
+          </a:ln>
+          <a:extLst>
+            <a:ext uri="{909E8E84-426E-40DD-AFC4-6F175D3DCCD1}">
+              <a14:hiddenFill xmlns:a14="http://schemas.microsoft.com/office/drawing/2010/main">
+                <a:solidFill>
+                  <a:schemeClr val="accent1"/>
+                </a:solidFill>
+              </a14:hiddenFill>
+            </a:ext>
+            <a:ext uri="{91240B29-F687-4F45-9708-019B960494DF}">
+              <a14:hiddenLine xmlns:a14="http://schemas.microsoft.com/office/drawing/2010/main" w="9525">
+                <a:solidFill>
+                  <a:schemeClr val="tx1"/>
+                </a:solidFill>
+                <a:miter lim="800000"/>
+                <a:headEnd/>
+                <a:tailEnd/>
+              </a14:hiddenLine>
+            </a:ext>
+          </a:extLst>
+        </p:spPr>
+      </p:pic>
+    </p:spTree>
+    <p:extLst>
+      <p:ext uri="{BB962C8B-B14F-4D97-AF65-F5344CB8AC3E}">
+        <p14:creationId xmlns:p14="http://schemas.microsoft.com/office/powerpoint/2010/main" val="1488689327"/>
+      </p:ext>
+    </p:extLst>
+  </p:cSld>
+  <p:clrMapOvr>
+    <a:masterClrMapping/>
+  </p:clrMapOvr>
+  <p:timing>
+    <p:tnLst>
+      <p:par>
+        <p:cTn id="1" dur="indefinite" restart="never" nodeType="tmRoot"/>
+      </p:par>
+    </p:tnLst>
+  </p:timing>
 </p:sld>
 </file>
 
@@ -4413,12 +5870,31 @@
             <p:ph type="title"/>
           </p:nvPr>
         </p:nvSpPr>
-        <p:spPr/>
-        <p:txBody>
-          <a:bodyPr/>
-          <a:lstStyle/>
-          <a:p>
-            <a:endParaRPr lang="zh-TW" altLang="en-US"/>
+        <p:spPr>
+          <a:xfrm>
+            <a:off x="683568" y="332656"/>
+            <a:ext cx="7787208" cy="490066"/>
+          </a:xfrm>
+        </p:spPr>
+        <p:txBody>
+          <a:bodyPr>
+            <a:normAutofit fontScale="90000"/>
+          </a:bodyPr>
+          <a:lstStyle/>
+          <a:p>
+            <a:r>
+              <a:rPr lang="zh-TW" altLang="en-US" dirty="0" smtClean="0"/>
+              <a:t>分析</a:t>
+            </a:r>
+            <a:r>
+              <a:rPr lang="en-US" altLang="zh-TW" dirty="0" smtClean="0"/>
+              <a:t>LOG</a:t>
+            </a:r>
+            <a:r>
+              <a:rPr lang="zh-TW" altLang="en-US" dirty="0" smtClean="0"/>
+              <a:t>檔</a:t>
+            </a:r>
+            <a:endParaRPr lang="zh-TW" altLang="en-US" dirty="0"/>
           </a:p>
         </p:txBody>
       </p:sp>
@@ -4447,8 +5923,8 @@
         </p:blipFill>
         <p:spPr bwMode="auto">
           <a:xfrm>
-            <a:off x="700087" y="1772444"/>
-            <a:ext cx="7743825" cy="4181475"/>
+            <a:off x="323528" y="1196752"/>
+            <a:ext cx="8409907" cy="4541143"/>
           </a:xfrm>
           <a:prstGeom prst="rect">
             <a:avLst/>
@@ -4520,8 +5996,8 @@
         </p:nvSpPr>
         <p:spPr>
           <a:xfrm>
-            <a:off x="457200" y="274638"/>
-            <a:ext cx="7355160" cy="706090"/>
+            <a:off x="611560" y="332656"/>
+            <a:ext cx="7596758" cy="706090"/>
           </a:xfrm>
         </p:spPr>
         <p:txBody>
@@ -4531,27 +6007,46 @@
           <a:lstStyle/>
           <a:p>
             <a:r>
-              <a:rPr lang="en-US" altLang="zh-TW" dirty="0" smtClean="0">
-                <a:hlinkClick r:id="rId2"/>
-              </a:rPr>
-              <a:t>http://localhost/dashboard/</a:t>
+              <a:rPr lang="en-US" altLang="zh-TW" dirty="0" err="1" smtClean="0"/>
+              <a:t>Config</a:t>
+            </a:r>
+            <a:r>
+              <a:rPr lang="en-US" altLang="zh-TW" dirty="0" smtClean="0"/>
+              <a:t> </a:t>
             </a:r>
             <a:endParaRPr lang="zh-TW" altLang="en-US" dirty="0"/>
+          </a:p>
+        </p:txBody>
+      </p:sp>
+      <p:sp>
+        <p:nvSpPr>
+          <p:cNvPr id="3" name="內容版面配置區 2"/>
+          <p:cNvSpPr>
+            <a:spLocks noGrp="1"/>
+          </p:cNvSpPr>
+          <p:nvPr>
+            <p:ph idx="1"/>
+          </p:nvPr>
+        </p:nvSpPr>
+        <p:spPr/>
+        <p:txBody>
+          <a:bodyPr/>
+          <a:lstStyle/>
+          <a:p>
+            <a:endParaRPr lang="zh-TW" altLang="en-US"/>
           </a:p>
         </p:txBody>
       </p:sp>
       <p:pic>
         <p:nvPicPr>
-          <p:cNvPr id="13314" name="Picture 2"/>
+          <p:cNvPr id="18434" name="Picture 2"/>
           <p:cNvPicPr>
-            <a:picLocks noGrp="1" noChangeAspect="1" noChangeArrowheads="1"/>
+            <a:picLocks noChangeAspect="1" noChangeArrowheads="1"/>
           </p:cNvPicPr>
-          <p:nvPr>
-            <p:ph idx="1"/>
-          </p:nvPr>
+          <p:nvPr/>
         </p:nvPicPr>
         <p:blipFill>
-          <a:blip r:embed="rId3">
+          <a:blip r:embed="rId2">
             <a:extLst>
               <a:ext uri="{28A0092B-C50C-407E-A947-70E740481C1C}">
                 <a14:useLocalDpi xmlns:a14="http://schemas.microsoft.com/office/drawing/2010/main" val="0"/>
@@ -4565,8 +6060,8 @@
         </p:blipFill>
         <p:spPr bwMode="auto">
           <a:xfrm>
-            <a:off x="457200" y="1834793"/>
-            <a:ext cx="8229600" cy="4056776"/>
+            <a:off x="1403648" y="2060848"/>
+            <a:ext cx="6650310" cy="4105359"/>
           </a:xfrm>
           <a:prstGeom prst="rect">
             <a:avLst/>
@@ -4599,7 +6094,7 @@
     </p:spTree>
     <p:extLst>
       <p:ext uri="{BB962C8B-B14F-4D97-AF65-F5344CB8AC3E}">
-        <p14:creationId xmlns:p14="http://schemas.microsoft.com/office/powerpoint/2010/main" val="4065941852"/>
+        <p14:creationId xmlns:p14="http://schemas.microsoft.com/office/powerpoint/2010/main" val="1577660161"/>
       </p:ext>
     </p:extLst>
   </p:cSld>
@@ -4636,18 +6131,31 @@
             <p:ph type="title"/>
           </p:nvPr>
         </p:nvSpPr>
-        <p:spPr/>
-        <p:txBody>
-          <a:bodyPr/>
-          <a:lstStyle/>
-          <a:p>
-            <a:endParaRPr lang="zh-TW" altLang="en-US"/>
+        <p:spPr>
+          <a:xfrm>
+            <a:off x="755576" y="476672"/>
+            <a:ext cx="7355160" cy="706090"/>
+          </a:xfrm>
+        </p:spPr>
+        <p:txBody>
+          <a:bodyPr>
+            <a:normAutofit fontScale="90000"/>
+          </a:bodyPr>
+          <a:lstStyle/>
+          <a:p>
+            <a:r>
+              <a:rPr lang="en-US" altLang="zh-TW" dirty="0" smtClean="0">
+                <a:hlinkClick r:id="rId2"/>
+              </a:rPr>
+              <a:t>http://localhost/dashboard/</a:t>
+            </a:r>
+            <a:endParaRPr lang="zh-TW" altLang="en-US" dirty="0"/>
           </a:p>
         </p:txBody>
       </p:sp>
       <p:pic>
         <p:nvPicPr>
-          <p:cNvPr id="7170" name="Picture 2"/>
+          <p:cNvPr id="13314" name="Picture 2"/>
           <p:cNvPicPr>
             <a:picLocks noGrp="1" noChangeAspect="1" noChangeArrowheads="1"/>
           </p:cNvPicPr>
@@ -4656,7 +6164,7 @@
           </p:nvPr>
         </p:nvPicPr>
         <p:blipFill>
-          <a:blip r:embed="rId2">
+          <a:blip r:embed="rId3">
             <a:extLst>
               <a:ext uri="{28A0092B-C50C-407E-A947-70E740481C1C}">
                 <a14:useLocalDpi xmlns:a14="http://schemas.microsoft.com/office/drawing/2010/main" val="0"/>
@@ -4671,7 +6179,7 @@
         <p:spPr bwMode="auto">
           <a:xfrm>
             <a:off x="467544" y="1556792"/>
-            <a:ext cx="7867889" cy="4525963"/>
+            <a:ext cx="8064896" cy="3975585"/>
           </a:xfrm>
           <a:prstGeom prst="rect">
             <a:avLst/>
@@ -4704,7 +6212,7 @@
     </p:spTree>
     <p:extLst>
       <p:ext uri="{BB962C8B-B14F-4D97-AF65-F5344CB8AC3E}">
-        <p14:creationId xmlns:p14="http://schemas.microsoft.com/office/powerpoint/2010/main" val="3480962499"/>
+        <p14:creationId xmlns:p14="http://schemas.microsoft.com/office/powerpoint/2010/main" val="4065941852"/>
       </p:ext>
     </p:extLst>
   </p:cSld>
